--- a/django_ppt/pyweb_ppt/pybo 10장.  django 배포하기.pptx
+++ b/django_ppt/pyweb_ppt/pybo 10장.  django 배포하기.pptx
@@ -33,8 +33,8 @@
     <p:sldId id="374" r:id="rId24"/>
     <p:sldId id="375" r:id="rId25"/>
     <p:sldId id="376" r:id="rId26"/>
-    <p:sldId id="399" r:id="rId27"/>
-    <p:sldId id="401" r:id="rId28"/>
+    <p:sldId id="401" r:id="rId27"/>
+    <p:sldId id="399" r:id="rId28"/>
     <p:sldId id="378" r:id="rId29"/>
     <p:sldId id="385" r:id="rId30"/>
     <p:sldId id="379" r:id="rId31"/>
@@ -239,7 +239,7 @@
           <a:p>
             <a:fld id="{7665CDAC-D627-4E87-877A-1B781DD4CADC}" type="datetimeFigureOut">
               <a:rPr lang="ko-KR" altLang="en-US" smtClean="0"/>
-              <a:t>2023-06-27</a:t>
+              <a:t>2023-07-07</a:t>
             </a:fld>
             <a:endParaRPr lang="ko-KR" altLang="en-US"/>
           </a:p>
@@ -651,7 +651,7 @@
           <a:p>
             <a:fld id="{C25BCFD5-C4DF-4EBC-B718-C69ED2FBDE6F}" type="datetime1">
               <a:rPr lang="ko-KR" altLang="en-US" smtClean="0"/>
-              <a:t>2023-06-27</a:t>
+              <a:t>2023-07-07</a:t>
             </a:fld>
             <a:endParaRPr lang="ko-KR" altLang="en-US"/>
           </a:p>
@@ -1102,7 +1102,7 @@
           <a:p>
             <a:fld id="{AB448CD7-D367-43D5-B461-ACE552E75063}" type="datetime1">
               <a:rPr lang="ko-KR" altLang="en-US" smtClean="0"/>
-              <a:t>2023-06-27</a:t>
+              <a:t>2023-07-07</a:t>
             </a:fld>
             <a:endParaRPr lang="ko-KR" altLang="en-US"/>
           </a:p>
@@ -1280,7 +1280,7 @@
           <a:p>
             <a:fld id="{B6E49E79-7361-4780-8BEF-7EDE3708298A}" type="datetime1">
               <a:rPr lang="ko-KR" altLang="en-US" smtClean="0"/>
-              <a:t>2023-06-27</a:t>
+              <a:t>2023-07-07</a:t>
             </a:fld>
             <a:endParaRPr lang="ko-KR" altLang="en-US"/>
           </a:p>
@@ -1452,7 +1452,7 @@
           <a:p>
             <a:fld id="{A4D42E3C-B70B-437C-85CF-1286301B9CBA}" type="datetime1">
               <a:rPr lang="ko-KR" altLang="en-US" smtClean="0"/>
-              <a:t>2023-06-27</a:t>
+              <a:t>2023-07-07</a:t>
             </a:fld>
             <a:endParaRPr lang="ko-KR" altLang="en-US"/>
           </a:p>
@@ -1704,7 +1704,7 @@
           <a:p>
             <a:fld id="{B3369A20-5B3D-4D98-A822-26B93D177A40}" type="datetime1">
               <a:rPr lang="ko-KR" altLang="en-US" smtClean="0"/>
-              <a:t>2023-06-27</a:t>
+              <a:t>2023-07-07</a:t>
             </a:fld>
             <a:endParaRPr lang="ko-KR" altLang="en-US"/>
           </a:p>
@@ -1989,7 +1989,7 @@
           <a:p>
             <a:fld id="{685CD4CE-9E43-4F70-A9D8-A2130CA7D92A}" type="datetime1">
               <a:rPr lang="ko-KR" altLang="en-US" smtClean="0"/>
-              <a:t>2023-06-27</a:t>
+              <a:t>2023-07-07</a:t>
             </a:fld>
             <a:endParaRPr lang="ko-KR" altLang="en-US"/>
           </a:p>
@@ -2415,7 +2415,7 @@
           <a:p>
             <a:fld id="{F752BD92-DA3E-4A0B-90C9-7DE5E15B6E96}" type="datetime1">
               <a:rPr lang="ko-KR" altLang="en-US" smtClean="0"/>
-              <a:t>2023-06-27</a:t>
+              <a:t>2023-07-07</a:t>
             </a:fld>
             <a:endParaRPr lang="ko-KR" altLang="en-US"/>
           </a:p>
@@ -2539,7 +2539,7 @@
           <a:p>
             <a:fld id="{8EA2B83A-F366-424E-B742-340ACF856BB5}" type="datetime1">
               <a:rPr lang="ko-KR" altLang="en-US" smtClean="0"/>
-              <a:t>2023-06-27</a:t>
+              <a:t>2023-07-07</a:t>
             </a:fld>
             <a:endParaRPr lang="ko-KR" altLang="en-US"/>
           </a:p>
@@ -2634,7 +2634,7 @@
           <a:p>
             <a:fld id="{9A49D68B-5DBD-48E9-A8D4-FCBC4B3DD9C6}" type="datetime1">
               <a:rPr lang="ko-KR" altLang="en-US" smtClean="0"/>
-              <a:t>2023-06-27</a:t>
+              <a:t>2023-07-07</a:t>
             </a:fld>
             <a:endParaRPr lang="ko-KR" altLang="en-US"/>
           </a:p>
@@ -2909,7 +2909,7 @@
           <a:p>
             <a:fld id="{4CAB534F-7D16-467B-9320-91F98915D181}" type="datetime1">
               <a:rPr lang="ko-KR" altLang="en-US" smtClean="0"/>
-              <a:t>2023-06-27</a:t>
+              <a:t>2023-07-07</a:t>
             </a:fld>
             <a:endParaRPr lang="ko-KR" altLang="en-US"/>
           </a:p>
@@ -3161,7 +3161,7 @@
           <a:p>
             <a:fld id="{A390A91F-2F8D-4486-A69D-D680F95444B0}" type="datetime1">
               <a:rPr lang="ko-KR" altLang="en-US" smtClean="0"/>
-              <a:t>2023-06-27</a:t>
+              <a:t>2023-07-07</a:t>
             </a:fld>
             <a:endParaRPr lang="ko-KR" altLang="en-US"/>
           </a:p>
@@ -3340,7 +3340,7 @@
           <a:p>
             <a:fld id="{2238BBEA-E8DD-414A-BF68-FC2AFA7CFF2D}" type="datetime1">
               <a:rPr lang="ko-KR" altLang="en-US" smtClean="0"/>
-              <a:t>2023-06-27</a:t>
+              <a:t>2023-07-07</a:t>
             </a:fld>
             <a:endParaRPr lang="ko-KR" altLang="en-US"/>
           </a:p>
@@ -9964,11 +9964,7 @@
             </a:r>
             <a:r>
               <a:rPr lang="en-US" altLang="ko-KR" dirty="0" smtClean="0"/>
-              <a:t>. </a:t>
-            </a:r>
-            <a:r>
-              <a:rPr lang="en-US" altLang="ko-KR" dirty="0" smtClean="0"/>
-              <a:t>-&gt; </a:t>
+              <a:t>. -&gt; </a:t>
             </a:r>
             <a:r>
               <a:rPr lang="ko-KR" altLang="en-US" dirty="0" smtClean="0">
@@ -11730,6 +11726,225 @@
           </a:p>
         </p:txBody>
       </p:sp>
+      <p:sp>
+        <p:nvSpPr>
+          <p:cNvPr id="7" name="TextBox 6"/>
+          <p:cNvSpPr txBox="1"/>
+          <p:nvPr/>
+        </p:nvSpPr>
+        <p:spPr>
+          <a:xfrm>
+            <a:off x="920552" y="1300698"/>
+            <a:ext cx="7272808" cy="400110"/>
+          </a:xfrm>
+          <a:prstGeom prst="rect">
+            <a:avLst/>
+          </a:prstGeom>
+          <a:noFill/>
+        </p:spPr>
+        <p:txBody>
+          <a:bodyPr wrap="square" rtlCol="0">
+            <a:spAutoFit/>
+          </a:bodyPr>
+          <a:lstStyle/>
+          <a:p>
+            <a:pPr marL="457200" indent="-457200">
+              <a:buFont typeface="Wingdings" panose="05000000000000000000" pitchFamily="2" charset="2"/>
+              <a:buChar char="Ø"/>
+            </a:pPr>
+            <a:r>
+              <a:rPr lang="en-US" altLang="ko-KR" sz="2000" b="1" dirty="0" smtClean="0">
+                <a:solidFill>
+                  <a:srgbClr val="C00000"/>
+                </a:solidFill>
+              </a:rPr>
+              <a:t>media </a:t>
+            </a:r>
+            <a:r>
+              <a:rPr lang="ko-KR" altLang="en-US" sz="2000" b="1" dirty="0" smtClean="0">
+                <a:solidFill>
+                  <a:srgbClr val="C00000"/>
+                </a:solidFill>
+              </a:rPr>
+              <a:t>폴더가 있는 경우 </a:t>
+            </a:r>
+            <a:r>
+              <a:rPr lang="en-US" altLang="ko-KR" sz="2000" b="1" dirty="0" smtClean="0">
+                <a:solidFill>
+                  <a:srgbClr val="C00000"/>
+                </a:solidFill>
+              </a:rPr>
+              <a:t>– </a:t>
+            </a:r>
+            <a:r>
+              <a:rPr lang="ko-KR" altLang="en-US" sz="2000" b="1" dirty="0" smtClean="0">
+                <a:solidFill>
+                  <a:srgbClr val="C00000"/>
+                </a:solidFill>
+              </a:rPr>
+              <a:t>반드시 </a:t>
+            </a:r>
+            <a:r>
+              <a:rPr lang="ko-KR" altLang="en-US" sz="2000" b="1" dirty="0" err="1" smtClean="0">
+                <a:solidFill>
+                  <a:srgbClr val="C00000"/>
+                </a:solidFill>
+              </a:rPr>
+              <a:t>설정해야함</a:t>
+            </a:r>
+            <a:endParaRPr lang="en-US" altLang="ko-KR" sz="2000" b="1" dirty="0" smtClean="0">
+              <a:solidFill>
+                <a:srgbClr val="C00000"/>
+              </a:solidFill>
+            </a:endParaRPr>
+          </a:p>
+        </p:txBody>
+      </p:sp>
+      <p:pic>
+        <p:nvPicPr>
+          <p:cNvPr id="5" name="그림 4"/>
+          <p:cNvPicPr>
+            <a:picLocks noChangeAspect="1"/>
+          </p:cNvPicPr>
+          <p:nvPr/>
+        </p:nvPicPr>
+        <p:blipFill>
+          <a:blip r:embed="rId2">
+            <a:extLst>
+              <a:ext uri="{28A0092B-C50C-407E-A947-70E740481C1C}">
+                <a14:useLocalDpi xmlns:a14="http://schemas.microsoft.com/office/drawing/2010/main" val="0"/>
+              </a:ext>
+            </a:extLst>
+          </a:blip>
+          <a:stretch>
+            <a:fillRect/>
+          </a:stretch>
+        </p:blipFill>
+        <p:spPr>
+          <a:xfrm>
+            <a:off x="1280592" y="1988840"/>
+            <a:ext cx="7041491" cy="2301440"/>
+          </a:xfrm>
+          <a:prstGeom prst="rect">
+            <a:avLst/>
+          </a:prstGeom>
+          <a:ln>
+            <a:solidFill>
+              <a:schemeClr val="bg1">
+                <a:lumMod val="85000"/>
+              </a:schemeClr>
+            </a:solidFill>
+          </a:ln>
+        </p:spPr>
+      </p:pic>
+    </p:spTree>
+    <p:extLst>
+      <p:ext uri="{BB962C8B-B14F-4D97-AF65-F5344CB8AC3E}">
+        <p14:creationId xmlns:p14="http://schemas.microsoft.com/office/powerpoint/2010/main" val="3422195922"/>
+      </p:ext>
+    </p:extLst>
+  </p:cSld>
+  <p:clrMapOvr>
+    <a:masterClrMapping/>
+  </p:clrMapOvr>
+  <p:timing>
+    <p:tnLst>
+      <p:par>
+        <p:cTn id="1" dur="indefinite" restart="never" nodeType="tmRoot"/>
+      </p:par>
+    </p:tnLst>
+  </p:timing>
+</p:sld>
+</file>
+
+<file path=ppt/slides/slide27.xml><?xml version="1.0" encoding="utf-8"?>
+<p:sld xmlns:a="http://schemas.openxmlformats.org/drawingml/2006/main" xmlns:r="http://schemas.openxmlformats.org/officeDocument/2006/relationships" xmlns:p="http://schemas.openxmlformats.org/presentationml/2006/main">
+  <p:cSld>
+    <p:spTree>
+      <p:nvGrpSpPr>
+        <p:cNvPr id="1" name=""/>
+        <p:cNvGrpSpPr/>
+        <p:nvPr/>
+      </p:nvGrpSpPr>
+      <p:grpSpPr>
+        <a:xfrm>
+          <a:off x="0" y="0"/>
+          <a:ext cx="0" cy="0"/>
+          <a:chOff x="0" y="0"/>
+          <a:chExt cx="0" cy="0"/>
+        </a:xfrm>
+      </p:grpSpPr>
+      <p:sp>
+        <p:nvSpPr>
+          <p:cNvPr id="2" name="제목 1"/>
+          <p:cNvSpPr>
+            <a:spLocks noGrp="1"/>
+          </p:cNvSpPr>
+          <p:nvPr>
+            <p:ph type="title"/>
+          </p:nvPr>
+        </p:nvSpPr>
+        <p:spPr/>
+        <p:txBody>
+          <a:bodyPr>
+            <a:normAutofit/>
+          </a:bodyPr>
+          <a:lstStyle/>
+          <a:p>
+            <a:r>
+              <a:rPr lang="en-US" altLang="ko-KR" dirty="0"/>
+              <a:t> </a:t>
+            </a:r>
+            <a:r>
+              <a:rPr lang="ko-KR" altLang="en-US" dirty="0" err="1"/>
+              <a:t>파이썬</a:t>
+            </a:r>
+            <a:r>
+              <a:rPr lang="ko-KR" altLang="en-US" dirty="0"/>
+              <a:t> </a:t>
+            </a:r>
+            <a:r>
+              <a:rPr lang="ko-KR" altLang="en-US" dirty="0" err="1"/>
+              <a:t>애니웨어</a:t>
+            </a:r>
+            <a:r>
+              <a:rPr lang="ko-KR" altLang="en-US" dirty="0"/>
+              <a:t> </a:t>
+            </a:r>
+            <a:r>
+              <a:rPr lang="en-US" altLang="ko-KR" dirty="0"/>
+              <a:t>Web </a:t>
+            </a:r>
+            <a:r>
+              <a:rPr lang="ko-KR" altLang="en-US" dirty="0"/>
+              <a:t>설정</a:t>
+            </a:r>
+          </a:p>
+        </p:txBody>
+      </p:sp>
+      <p:sp>
+        <p:nvSpPr>
+          <p:cNvPr id="4" name="슬라이드 번호 개체 틀 3"/>
+          <p:cNvSpPr>
+            <a:spLocks noGrp="1"/>
+          </p:cNvSpPr>
+          <p:nvPr>
+            <p:ph type="sldNum" sz="quarter" idx="12"/>
+          </p:nvPr>
+        </p:nvSpPr>
+        <p:spPr/>
+        <p:txBody>
+          <a:bodyPr/>
+          <a:lstStyle/>
+          <a:p>
+            <a:fld id="{1BDE3FE7-3AEA-4B05-AC5A-802D1816ACF0}" type="slidenum">
+              <a:rPr lang="ko-KR" altLang="en-US" smtClean="0"/>
+              <a:t>27</a:t>
+            </a:fld>
+            <a:endParaRPr lang="ko-KR" altLang="en-US"/>
+          </a:p>
+        </p:txBody>
+      </p:sp>
       <p:pic>
         <p:nvPicPr>
           <p:cNvPr id="3" name="그림 2"/>
@@ -11836,225 +12051,6 @@
     <p:extLst>
       <p:ext uri="{BB962C8B-B14F-4D97-AF65-F5344CB8AC3E}">
         <p14:creationId xmlns:p14="http://schemas.microsoft.com/office/powerpoint/2010/main" val="4242740011"/>
-      </p:ext>
-    </p:extLst>
-  </p:cSld>
-  <p:clrMapOvr>
-    <a:masterClrMapping/>
-  </p:clrMapOvr>
-  <p:timing>
-    <p:tnLst>
-      <p:par>
-        <p:cTn id="1" dur="indefinite" restart="never" nodeType="tmRoot"/>
-      </p:par>
-    </p:tnLst>
-  </p:timing>
-</p:sld>
-</file>
-
-<file path=ppt/slides/slide27.xml><?xml version="1.0" encoding="utf-8"?>
-<p:sld xmlns:a="http://schemas.openxmlformats.org/drawingml/2006/main" xmlns:r="http://schemas.openxmlformats.org/officeDocument/2006/relationships" xmlns:p="http://schemas.openxmlformats.org/presentationml/2006/main">
-  <p:cSld>
-    <p:spTree>
-      <p:nvGrpSpPr>
-        <p:cNvPr id="1" name=""/>
-        <p:cNvGrpSpPr/>
-        <p:nvPr/>
-      </p:nvGrpSpPr>
-      <p:grpSpPr>
-        <a:xfrm>
-          <a:off x="0" y="0"/>
-          <a:ext cx="0" cy="0"/>
-          <a:chOff x="0" y="0"/>
-          <a:chExt cx="0" cy="0"/>
-        </a:xfrm>
-      </p:grpSpPr>
-      <p:sp>
-        <p:nvSpPr>
-          <p:cNvPr id="2" name="제목 1"/>
-          <p:cNvSpPr>
-            <a:spLocks noGrp="1"/>
-          </p:cNvSpPr>
-          <p:nvPr>
-            <p:ph type="title"/>
-          </p:nvPr>
-        </p:nvSpPr>
-        <p:spPr/>
-        <p:txBody>
-          <a:bodyPr>
-            <a:normAutofit/>
-          </a:bodyPr>
-          <a:lstStyle/>
-          <a:p>
-            <a:r>
-              <a:rPr lang="en-US" altLang="ko-KR" dirty="0"/>
-              <a:t> </a:t>
-            </a:r>
-            <a:r>
-              <a:rPr lang="ko-KR" altLang="en-US" dirty="0" err="1"/>
-              <a:t>파이썬</a:t>
-            </a:r>
-            <a:r>
-              <a:rPr lang="ko-KR" altLang="en-US" dirty="0"/>
-              <a:t> </a:t>
-            </a:r>
-            <a:r>
-              <a:rPr lang="ko-KR" altLang="en-US" dirty="0" err="1"/>
-              <a:t>애니웨어</a:t>
-            </a:r>
-            <a:r>
-              <a:rPr lang="ko-KR" altLang="en-US" dirty="0"/>
-              <a:t> </a:t>
-            </a:r>
-            <a:r>
-              <a:rPr lang="en-US" altLang="ko-KR" dirty="0"/>
-              <a:t>Web </a:t>
-            </a:r>
-            <a:r>
-              <a:rPr lang="ko-KR" altLang="en-US" dirty="0"/>
-              <a:t>설정</a:t>
-            </a:r>
-          </a:p>
-        </p:txBody>
-      </p:sp>
-      <p:sp>
-        <p:nvSpPr>
-          <p:cNvPr id="4" name="슬라이드 번호 개체 틀 3"/>
-          <p:cNvSpPr>
-            <a:spLocks noGrp="1"/>
-          </p:cNvSpPr>
-          <p:nvPr>
-            <p:ph type="sldNum" sz="quarter" idx="12"/>
-          </p:nvPr>
-        </p:nvSpPr>
-        <p:spPr/>
-        <p:txBody>
-          <a:bodyPr/>
-          <a:lstStyle/>
-          <a:p>
-            <a:fld id="{1BDE3FE7-3AEA-4B05-AC5A-802D1816ACF0}" type="slidenum">
-              <a:rPr lang="ko-KR" altLang="en-US" smtClean="0"/>
-              <a:t>27</a:t>
-            </a:fld>
-            <a:endParaRPr lang="ko-KR" altLang="en-US"/>
-          </a:p>
-        </p:txBody>
-      </p:sp>
-      <p:sp>
-        <p:nvSpPr>
-          <p:cNvPr id="7" name="TextBox 6"/>
-          <p:cNvSpPr txBox="1"/>
-          <p:nvPr/>
-        </p:nvSpPr>
-        <p:spPr>
-          <a:xfrm>
-            <a:off x="920552" y="1300698"/>
-            <a:ext cx="7272808" cy="400110"/>
-          </a:xfrm>
-          <a:prstGeom prst="rect">
-            <a:avLst/>
-          </a:prstGeom>
-          <a:noFill/>
-        </p:spPr>
-        <p:txBody>
-          <a:bodyPr wrap="square" rtlCol="0">
-            <a:spAutoFit/>
-          </a:bodyPr>
-          <a:lstStyle/>
-          <a:p>
-            <a:pPr marL="457200" indent="-457200">
-              <a:buFont typeface="Wingdings" panose="05000000000000000000" pitchFamily="2" charset="2"/>
-              <a:buChar char="Ø"/>
-            </a:pPr>
-            <a:r>
-              <a:rPr lang="en-US" altLang="ko-KR" sz="2000" b="1" dirty="0" smtClean="0">
-                <a:solidFill>
-                  <a:srgbClr val="C00000"/>
-                </a:solidFill>
-              </a:rPr>
-              <a:t>media </a:t>
-            </a:r>
-            <a:r>
-              <a:rPr lang="ko-KR" altLang="en-US" sz="2000" b="1" dirty="0" smtClean="0">
-                <a:solidFill>
-                  <a:srgbClr val="C00000"/>
-                </a:solidFill>
-              </a:rPr>
-              <a:t>폴더가 있는 경우 </a:t>
-            </a:r>
-            <a:r>
-              <a:rPr lang="en-US" altLang="ko-KR" sz="2000" b="1" dirty="0" smtClean="0">
-                <a:solidFill>
-                  <a:srgbClr val="C00000"/>
-                </a:solidFill>
-              </a:rPr>
-              <a:t>– </a:t>
-            </a:r>
-            <a:r>
-              <a:rPr lang="ko-KR" altLang="en-US" sz="2000" b="1" dirty="0" smtClean="0">
-                <a:solidFill>
-                  <a:srgbClr val="C00000"/>
-                </a:solidFill>
-              </a:rPr>
-              <a:t>반드시 </a:t>
-            </a:r>
-            <a:r>
-              <a:rPr lang="ko-KR" altLang="en-US" sz="2000" b="1" dirty="0" err="1" smtClean="0">
-                <a:solidFill>
-                  <a:srgbClr val="C00000"/>
-                </a:solidFill>
-              </a:rPr>
-              <a:t>설정해야함</a:t>
-            </a:r>
-            <a:endParaRPr lang="en-US" altLang="ko-KR" sz="2000" b="1" dirty="0" smtClean="0">
-              <a:solidFill>
-                <a:srgbClr val="C00000"/>
-              </a:solidFill>
-            </a:endParaRPr>
-          </a:p>
-        </p:txBody>
-      </p:sp>
-      <p:pic>
-        <p:nvPicPr>
-          <p:cNvPr id="5" name="그림 4"/>
-          <p:cNvPicPr>
-            <a:picLocks noChangeAspect="1"/>
-          </p:cNvPicPr>
-          <p:nvPr/>
-        </p:nvPicPr>
-        <p:blipFill>
-          <a:blip r:embed="rId2">
-            <a:extLst>
-              <a:ext uri="{28A0092B-C50C-407E-A947-70E740481C1C}">
-                <a14:useLocalDpi xmlns:a14="http://schemas.microsoft.com/office/drawing/2010/main" val="0"/>
-              </a:ext>
-            </a:extLst>
-          </a:blip>
-          <a:stretch>
-            <a:fillRect/>
-          </a:stretch>
-        </p:blipFill>
-        <p:spPr>
-          <a:xfrm>
-            <a:off x="1280592" y="1988840"/>
-            <a:ext cx="7041491" cy="2301440"/>
-          </a:xfrm>
-          <a:prstGeom prst="rect">
-            <a:avLst/>
-          </a:prstGeom>
-          <a:ln>
-            <a:solidFill>
-              <a:schemeClr val="bg1">
-                <a:lumMod val="85000"/>
-              </a:schemeClr>
-            </a:solidFill>
-          </a:ln>
-        </p:spPr>
-      </p:pic>
-    </p:spTree>
-    <p:extLst>
-      <p:ext uri="{BB962C8B-B14F-4D97-AF65-F5344CB8AC3E}">
-        <p14:creationId xmlns:p14="http://schemas.microsoft.com/office/powerpoint/2010/main" val="3422195922"/>
       </p:ext>
     </p:extLst>
   </p:cSld>
